--- a/언리얼/IK.pptx
+++ b/언리얼/IK.pptx
@@ -6,6 +6,7 @@
   </p:sldMasterIdLst>
   <p:sldIdLst>
     <p:sldId id="256" r:id="rId2"/>
+    <p:sldId id="257" r:id="rId3"/>
   </p:sldIdLst>
   <p:sldSz cx="12192000" cy="6858000"/>
   <p:notesSz cx="6858000" cy="9144000"/>
@@ -104,6 +105,11 @@
       </a:defRPr>
     </a:lvl9pPr>
   </p:defaultTextStyle>
+  <p:extLst>
+    <p:ext uri="{EFAFB233-063F-42B5-8137-9DF3F51BA10A}">
+      <p15:sldGuideLst xmlns:p15="http://schemas.microsoft.com/office/powerpoint/2012/main"/>
+    </p:ext>
+  </p:extLst>
 </p:presentation>
 </file>
 
@@ -254,7 +260,7 @@
           <a:p>
             <a:fld id="{D814FBCB-ADFE-4FDE-9797-CAFDB6F2696C}" type="datetimeFigureOut">
               <a:rPr lang="ko-KR" altLang="en-US" smtClean="0"/>
-              <a:t>2023-02-03</a:t>
+              <a:t>2023-02-17</a:t>
             </a:fld>
             <a:endParaRPr lang="ko-KR" altLang="en-US"/>
           </a:p>
@@ -452,7 +458,7 @@
           <a:p>
             <a:fld id="{D814FBCB-ADFE-4FDE-9797-CAFDB6F2696C}" type="datetimeFigureOut">
               <a:rPr lang="ko-KR" altLang="en-US" smtClean="0"/>
-              <a:t>2023-02-03</a:t>
+              <a:t>2023-02-17</a:t>
             </a:fld>
             <a:endParaRPr lang="ko-KR" altLang="en-US"/>
           </a:p>
@@ -660,7 +666,7 @@
           <a:p>
             <a:fld id="{D814FBCB-ADFE-4FDE-9797-CAFDB6F2696C}" type="datetimeFigureOut">
               <a:rPr lang="ko-KR" altLang="en-US" smtClean="0"/>
-              <a:t>2023-02-03</a:t>
+              <a:t>2023-02-17</a:t>
             </a:fld>
             <a:endParaRPr lang="ko-KR" altLang="en-US"/>
           </a:p>
@@ -858,7 +864,7 @@
           <a:p>
             <a:fld id="{D814FBCB-ADFE-4FDE-9797-CAFDB6F2696C}" type="datetimeFigureOut">
               <a:rPr lang="ko-KR" altLang="en-US" smtClean="0"/>
-              <a:t>2023-02-03</a:t>
+              <a:t>2023-02-17</a:t>
             </a:fld>
             <a:endParaRPr lang="ko-KR" altLang="en-US"/>
           </a:p>
@@ -1133,7 +1139,7 @@
           <a:p>
             <a:fld id="{D814FBCB-ADFE-4FDE-9797-CAFDB6F2696C}" type="datetimeFigureOut">
               <a:rPr lang="ko-KR" altLang="en-US" smtClean="0"/>
-              <a:t>2023-02-03</a:t>
+              <a:t>2023-02-17</a:t>
             </a:fld>
             <a:endParaRPr lang="ko-KR" altLang="en-US"/>
           </a:p>
@@ -1398,7 +1404,7 @@
           <a:p>
             <a:fld id="{D814FBCB-ADFE-4FDE-9797-CAFDB6F2696C}" type="datetimeFigureOut">
               <a:rPr lang="ko-KR" altLang="en-US" smtClean="0"/>
-              <a:t>2023-02-03</a:t>
+              <a:t>2023-02-17</a:t>
             </a:fld>
             <a:endParaRPr lang="ko-KR" altLang="en-US"/>
           </a:p>
@@ -1810,7 +1816,7 @@
           <a:p>
             <a:fld id="{D814FBCB-ADFE-4FDE-9797-CAFDB6F2696C}" type="datetimeFigureOut">
               <a:rPr lang="ko-KR" altLang="en-US" smtClean="0"/>
-              <a:t>2023-02-03</a:t>
+              <a:t>2023-02-17</a:t>
             </a:fld>
             <a:endParaRPr lang="ko-KR" altLang="en-US"/>
           </a:p>
@@ -1951,7 +1957,7 @@
           <a:p>
             <a:fld id="{D814FBCB-ADFE-4FDE-9797-CAFDB6F2696C}" type="datetimeFigureOut">
               <a:rPr lang="ko-KR" altLang="en-US" smtClean="0"/>
-              <a:t>2023-02-03</a:t>
+              <a:t>2023-02-17</a:t>
             </a:fld>
             <a:endParaRPr lang="ko-KR" altLang="en-US"/>
           </a:p>
@@ -2064,7 +2070,7 @@
           <a:p>
             <a:fld id="{D814FBCB-ADFE-4FDE-9797-CAFDB6F2696C}" type="datetimeFigureOut">
               <a:rPr lang="ko-KR" altLang="en-US" smtClean="0"/>
-              <a:t>2023-02-03</a:t>
+              <a:t>2023-02-17</a:t>
             </a:fld>
             <a:endParaRPr lang="ko-KR" altLang="en-US"/>
           </a:p>
@@ -2375,7 +2381,7 @@
           <a:p>
             <a:fld id="{D814FBCB-ADFE-4FDE-9797-CAFDB6F2696C}" type="datetimeFigureOut">
               <a:rPr lang="ko-KR" altLang="en-US" smtClean="0"/>
-              <a:t>2023-02-03</a:t>
+              <a:t>2023-02-17</a:t>
             </a:fld>
             <a:endParaRPr lang="ko-KR" altLang="en-US"/>
           </a:p>
@@ -2663,7 +2669,7 @@
           <a:p>
             <a:fld id="{D814FBCB-ADFE-4FDE-9797-CAFDB6F2696C}" type="datetimeFigureOut">
               <a:rPr lang="ko-KR" altLang="en-US" smtClean="0"/>
-              <a:t>2023-02-03</a:t>
+              <a:t>2023-02-17</a:t>
             </a:fld>
             <a:endParaRPr lang="ko-KR" altLang="en-US"/>
           </a:p>
@@ -2904,7 +2910,7 @@
           <a:p>
             <a:fld id="{D814FBCB-ADFE-4FDE-9797-CAFDB6F2696C}" type="datetimeFigureOut">
               <a:rPr lang="ko-KR" altLang="en-US" smtClean="0"/>
-              <a:t>2023-02-03</a:t>
+              <a:t>2023-02-17</a:t>
             </a:fld>
             <a:endParaRPr lang="ko-KR" altLang="en-US"/>
           </a:p>
@@ -3336,7 +3342,7 @@
         <p:spPr>
           <a:xfrm>
             <a:off x="3574473" y="1126836"/>
-            <a:ext cx="4461478" cy="1754326"/>
+            <a:ext cx="5057795" cy="2677656"/>
           </a:xfrm>
           <a:prstGeom prst="rect">
             <a:avLst/>
@@ -3350,67 +3356,67 @@
           <a:lstStyle/>
           <a:p>
             <a:r>
-              <a:rPr lang="en-US" altLang="ko-KR" dirty="0"/>
+              <a:rPr lang="en-US" altLang="ko-KR" sz="2800" b="1" dirty="0"/>
               <a:t>Root</a:t>
             </a:r>
           </a:p>
           <a:p>
             <a:r>
-              <a:rPr lang="en-US" altLang="ko-KR" dirty="0"/>
+              <a:rPr lang="en-US" altLang="ko-KR" sz="2800" b="1" dirty="0"/>
               <a:t>	Pelvis  </a:t>
             </a:r>
             <a:r>
-              <a:rPr lang="en-US" altLang="ko-KR" sz="1200" dirty="0"/>
+              <a:rPr lang="en-US" altLang="ko-KR" b="1" dirty="0"/>
               <a:t>Transform</a:t>
             </a:r>
-            <a:endParaRPr lang="en-US" altLang="ko-KR" dirty="0"/>
-          </a:p>
-          <a:p>
-            <a:r>
-              <a:rPr lang="en-US" altLang="ko-KR" dirty="0"/>
+            <a:endParaRPr lang="en-US" altLang="ko-KR" sz="2800" b="1" dirty="0"/>
+          </a:p>
+          <a:p>
+            <a:r>
+              <a:rPr lang="en-US" altLang="ko-KR" sz="2800" b="1" dirty="0"/>
               <a:t>		Hips  </a:t>
             </a:r>
             <a:r>
-              <a:rPr lang="en-US" altLang="ko-KR" sz="1400" dirty="0"/>
+              <a:rPr lang="en-US" altLang="ko-KR" sz="2000" b="1" dirty="0"/>
               <a:t>LT * PT</a:t>
             </a:r>
-            <a:endParaRPr lang="en-US" altLang="ko-KR" dirty="0"/>
-          </a:p>
-          <a:p>
-            <a:r>
-              <a:rPr lang="en-US" altLang="ko-KR" dirty="0"/>
+            <a:endParaRPr lang="en-US" altLang="ko-KR" sz="2800" b="1" dirty="0"/>
+          </a:p>
+          <a:p>
+            <a:r>
+              <a:rPr lang="en-US" altLang="ko-KR" sz="2800" b="1" dirty="0"/>
               <a:t>			</a:t>
             </a:r>
             <a:r>
-              <a:rPr lang="en-US" altLang="ko-KR" dirty="0" err="1"/>
+              <a:rPr lang="en-US" altLang="ko-KR" sz="2800" b="1" dirty="0" err="1"/>
               <a:t>Clavicle_l</a:t>
             </a:r>
             <a:r>
-              <a:rPr lang="en-US" altLang="ko-KR" dirty="0"/>
+              <a:rPr lang="en-US" altLang="ko-KR" sz="2800" b="1" dirty="0"/>
               <a:t>  …</a:t>
             </a:r>
           </a:p>
           <a:p>
             <a:r>
-              <a:rPr lang="en-US" altLang="ko-KR" dirty="0"/>
+              <a:rPr lang="en-US" altLang="ko-KR" sz="2800" b="1" dirty="0"/>
               <a:t>				</a:t>
             </a:r>
             <a:r>
-              <a:rPr lang="en-US" altLang="ko-KR" dirty="0" err="1"/>
+              <a:rPr lang="en-US" altLang="ko-KR" sz="2800" b="1" dirty="0" err="1"/>
               <a:t>foot_l</a:t>
             </a:r>
-            <a:endParaRPr lang="en-US" altLang="ko-KR" dirty="0"/>
-          </a:p>
-          <a:p>
-            <a:r>
-              <a:rPr lang="en-US" altLang="ko-KR" dirty="0"/>
+            <a:endParaRPr lang="en-US" altLang="ko-KR" sz="2800" b="1" dirty="0"/>
+          </a:p>
+          <a:p>
+            <a:r>
+              <a:rPr lang="en-US" altLang="ko-KR" sz="2800" b="1" dirty="0"/>
               <a:t>				</a:t>
             </a:r>
             <a:r>
-              <a:rPr lang="en-US" altLang="ko-KR" dirty="0" err="1"/>
+              <a:rPr lang="en-US" altLang="ko-KR" sz="2800" b="1" dirty="0" err="1"/>
               <a:t>foot_r</a:t>
             </a:r>
-            <a:endParaRPr lang="ko-KR" altLang="en-US" dirty="0"/>
+            <a:endParaRPr lang="ko-KR" altLang="en-US" sz="2800" b="1" dirty="0"/>
           </a:p>
         </p:txBody>
       </p:sp>
@@ -3428,14 +3434,14 @@
         </p:nvCxnSpPr>
         <p:spPr>
           <a:xfrm>
-            <a:off x="8506691" y="1117600"/>
+            <a:off x="9232323" y="1117600"/>
             <a:ext cx="0" cy="2050473"/>
           </a:xfrm>
           <a:prstGeom prst="straightConnector1">
             <a:avLst/>
           </a:prstGeom>
-          <a:ln>
-            <a:tailEnd type="triangle"/>
+          <a:ln w="25400">
+            <a:tailEnd type="triangle" w="lg" len="lg"/>
           </a:ln>
         </p:spPr>
         <p:style>
@@ -3467,8 +3473,8 @@
         </p:nvSpPr>
         <p:spPr>
           <a:xfrm>
-            <a:off x="8776202" y="1894588"/>
-            <a:ext cx="2236831" cy="369332"/>
+            <a:off x="9450926" y="1788356"/>
+            <a:ext cx="2031325" cy="954107"/>
           </a:xfrm>
           <a:prstGeom prst="rect">
             <a:avLst/>
@@ -3482,8 +3488,14 @@
           <a:lstStyle/>
           <a:p>
             <a:r>
-              <a:rPr lang="en-US" altLang="ko-KR" dirty="0"/>
-              <a:t>Forward Kinematics</a:t>
+              <a:rPr lang="en-US" altLang="ko-KR" sz="2800" b="1" dirty="0"/>
+              <a:t>Forward </a:t>
+            </a:r>
+          </a:p>
+          <a:p>
+            <a:r>
+              <a:rPr lang="en-US" altLang="ko-KR" sz="2800" b="1" dirty="0"/>
+              <a:t>Kinematics</a:t>
             </a:r>
           </a:p>
         </p:txBody>
@@ -3510,8 +3522,8 @@
           <a:prstGeom prst="straightConnector1">
             <a:avLst/>
           </a:prstGeom>
-          <a:ln>
-            <a:tailEnd type="triangle"/>
+          <a:ln w="25400">
+            <a:tailEnd type="triangle" w="lg" len="lg"/>
           </a:ln>
         </p:spPr>
         <p:style>
@@ -3543,8 +3555,8 @@
         </p:nvSpPr>
         <p:spPr>
           <a:xfrm>
-            <a:off x="589733" y="1894588"/>
-            <a:ext cx="2119683" cy="369332"/>
+            <a:off x="709749" y="1788357"/>
+            <a:ext cx="2031325" cy="954107"/>
           </a:xfrm>
           <a:prstGeom prst="rect">
             <a:avLst/>
@@ -3558,8 +3570,14 @@
           <a:lstStyle/>
           <a:p>
             <a:r>
-              <a:rPr lang="en-US" altLang="ko-KR" dirty="0"/>
-              <a:t>Inverse Kinematics</a:t>
+              <a:rPr lang="en-US" altLang="ko-KR" sz="2800" b="1" dirty="0"/>
+              <a:t>Inverse </a:t>
+            </a:r>
+          </a:p>
+          <a:p>
+            <a:r>
+              <a:rPr lang="en-US" altLang="ko-KR" sz="2800" b="1" dirty="0"/>
+              <a:t>Kinematics</a:t>
             </a:r>
           </a:p>
         </p:txBody>
@@ -3578,8 +3596,8 @@
         </p:nvSpPr>
         <p:spPr>
           <a:xfrm>
-            <a:off x="598359" y="3982181"/>
-            <a:ext cx="4958409" cy="923330"/>
+            <a:off x="2555764" y="4468931"/>
+            <a:ext cx="7095212" cy="1384995"/>
           </a:xfrm>
           <a:prstGeom prst="rect">
             <a:avLst/>
@@ -3593,37 +3611,91 @@
           <a:lstStyle/>
           <a:p>
             <a:r>
-              <a:rPr lang="en-US" altLang="ko-KR" dirty="0"/>
+              <a:rPr lang="en-US" altLang="ko-KR" sz="2800" b="1" dirty="0"/>
               <a:t>Local Space 	FK</a:t>
             </a:r>
           </a:p>
           <a:p>
             <a:r>
-              <a:rPr lang="en-US" altLang="ko-KR" dirty="0"/>
+              <a:rPr lang="en-US" altLang="ko-KR" sz="2800" b="1" dirty="0"/>
               <a:t>Mesh Space 	FK (</a:t>
             </a:r>
             <a:r>
-              <a:rPr lang="ko-KR" altLang="en-US" dirty="0"/>
+              <a:rPr lang="ko-KR" altLang="en-US" sz="2800" b="1" dirty="0"/>
               <a:t>수정 가능</a:t>
             </a:r>
             <a:r>
-              <a:rPr lang="en-US" altLang="ko-KR" dirty="0"/>
+              <a:rPr lang="en-US" altLang="ko-KR" sz="2800" b="1" dirty="0"/>
               <a:t>)</a:t>
             </a:r>
           </a:p>
           <a:p>
             <a:r>
-              <a:rPr lang="en-US" altLang="ko-KR" dirty="0"/>
+              <a:rPr lang="en-US" altLang="ko-KR" sz="2800" b="1" dirty="0"/>
               <a:t>Component Space 	FK + IK (</a:t>
             </a:r>
             <a:r>
-              <a:rPr lang="ko-KR" altLang="en-US" dirty="0"/>
+              <a:rPr lang="ko-KR" altLang="en-US" sz="2800" b="1" dirty="0"/>
               <a:t>수정 가능</a:t>
             </a:r>
             <a:r>
-              <a:rPr lang="en-US" altLang="ko-KR" dirty="0"/>
+              <a:rPr lang="en-US" altLang="ko-KR" sz="2800" b="1" dirty="0"/>
               <a:t>)</a:t>
             </a:r>
+          </a:p>
+        </p:txBody>
+      </p:sp>
+      <p:sp>
+        <p:nvSpPr>
+          <p:cNvPr id="3" name="사각형: 둥근 모서리 2">
+            <a:extLst>
+              <a:ext uri="{FF2B5EF4-FFF2-40B4-BE49-F238E27FC236}">
+                <a16:creationId xmlns:a16="http://schemas.microsoft.com/office/drawing/2014/main" id="{F68E0B69-4C7F-94CF-F39A-86320C07F9EC}"/>
+              </a:ext>
+            </a:extLst>
+          </p:cNvPr>
+          <p:cNvSpPr/>
+          <p:nvPr/>
+        </p:nvSpPr>
+        <p:spPr>
+          <a:xfrm>
+            <a:off x="287382" y="235996"/>
+            <a:ext cx="11599818" cy="6282370"/>
+          </a:xfrm>
+          <a:prstGeom prst="roundRect">
+            <a:avLst/>
+          </a:prstGeom>
+          <a:noFill/>
+          <a:ln w="25400">
+            <a:solidFill>
+              <a:schemeClr val="bg1">
+                <a:lumMod val="65000"/>
+              </a:schemeClr>
+            </a:solidFill>
+          </a:ln>
+        </p:spPr>
+        <p:style>
+          <a:lnRef idx="2">
+            <a:schemeClr val="accent1">
+              <a:shade val="50000"/>
+            </a:schemeClr>
+          </a:lnRef>
+          <a:fillRef idx="1">
+            <a:schemeClr val="accent1"/>
+          </a:fillRef>
+          <a:effectRef idx="0">
+            <a:schemeClr val="accent1"/>
+          </a:effectRef>
+          <a:fontRef idx="minor">
+            <a:schemeClr val="lt1"/>
+          </a:fontRef>
+        </p:style>
+        <p:txBody>
+          <a:bodyPr rtlCol="0" anchor="ctr"/>
+          <a:lstStyle/>
+          <a:p>
+            <a:pPr algn="ctr"/>
+            <a:endParaRPr lang="ko-KR" altLang="en-US"/>
           </a:p>
         </p:txBody>
       </p:sp>
@@ -3631,6 +3703,926 @@
     <p:extLst>
       <p:ext uri="{BB962C8B-B14F-4D97-AF65-F5344CB8AC3E}">
         <p14:creationId xmlns:p14="http://schemas.microsoft.com/office/powerpoint/2010/main" val="2398278364"/>
+      </p:ext>
+    </p:extLst>
+  </p:cSld>
+  <p:clrMapOvr>
+    <a:masterClrMapping/>
+  </p:clrMapOvr>
+</p:sld>
+</file>
+
+<file path=ppt/slides/slide2.xml><?xml version="1.0" encoding="utf-8"?>
+<p:sld xmlns:a="http://schemas.openxmlformats.org/drawingml/2006/main" xmlns:r="http://schemas.openxmlformats.org/officeDocument/2006/relationships" xmlns:p="http://schemas.openxmlformats.org/presentationml/2006/main">
+  <p:cSld>
+    <p:spTree>
+      <p:nvGrpSpPr>
+        <p:cNvPr id="1" name=""/>
+        <p:cNvGrpSpPr/>
+        <p:nvPr/>
+      </p:nvGrpSpPr>
+      <p:grpSpPr>
+        <a:xfrm>
+          <a:off x="0" y="0"/>
+          <a:ext cx="0" cy="0"/>
+          <a:chOff x="0" y="0"/>
+          <a:chExt cx="0" cy="0"/>
+        </a:xfrm>
+      </p:grpSpPr>
+      <p:sp>
+        <p:nvSpPr>
+          <p:cNvPr id="4" name="직사각형 3">
+            <a:extLst>
+              <a:ext uri="{FF2B5EF4-FFF2-40B4-BE49-F238E27FC236}">
+                <a16:creationId xmlns:a16="http://schemas.microsoft.com/office/drawing/2014/main" id="{1C67C665-1F4C-2A9A-6661-348E49FF9324}"/>
+              </a:ext>
+            </a:extLst>
+          </p:cNvPr>
+          <p:cNvSpPr/>
+          <p:nvPr/>
+        </p:nvSpPr>
+        <p:spPr>
+          <a:xfrm>
+            <a:off x="2625636" y="966653"/>
+            <a:ext cx="156754" cy="1828800"/>
+          </a:xfrm>
+          <a:prstGeom prst="rect">
+            <a:avLst/>
+          </a:prstGeom>
+        </p:spPr>
+        <p:style>
+          <a:lnRef idx="2">
+            <a:schemeClr val="accent1">
+              <a:shade val="50000"/>
+            </a:schemeClr>
+          </a:lnRef>
+          <a:fillRef idx="1">
+            <a:schemeClr val="accent1"/>
+          </a:fillRef>
+          <a:effectRef idx="0">
+            <a:schemeClr val="accent1"/>
+          </a:effectRef>
+          <a:fontRef idx="minor">
+            <a:schemeClr val="lt1"/>
+          </a:fontRef>
+        </p:style>
+        <p:txBody>
+          <a:bodyPr rtlCol="0" anchor="ctr"/>
+          <a:lstStyle/>
+          <a:p>
+            <a:pPr algn="ctr"/>
+            <a:endParaRPr lang="ko-KR" altLang="en-US"/>
+          </a:p>
+        </p:txBody>
+      </p:sp>
+      <p:sp>
+        <p:nvSpPr>
+          <p:cNvPr id="5" name="직사각형 4">
+            <a:extLst>
+              <a:ext uri="{FF2B5EF4-FFF2-40B4-BE49-F238E27FC236}">
+                <a16:creationId xmlns:a16="http://schemas.microsoft.com/office/drawing/2014/main" id="{000EAEB0-7B75-FF73-1CF2-387B794C7F91}"/>
+              </a:ext>
+            </a:extLst>
+          </p:cNvPr>
+          <p:cNvSpPr/>
+          <p:nvPr/>
+        </p:nvSpPr>
+        <p:spPr>
+          <a:xfrm>
+            <a:off x="2625636" y="2965271"/>
+            <a:ext cx="156754" cy="1828800"/>
+          </a:xfrm>
+          <a:prstGeom prst="rect">
+            <a:avLst/>
+          </a:prstGeom>
+        </p:spPr>
+        <p:style>
+          <a:lnRef idx="2">
+            <a:schemeClr val="accent1">
+              <a:shade val="50000"/>
+            </a:schemeClr>
+          </a:lnRef>
+          <a:fillRef idx="1">
+            <a:schemeClr val="accent1"/>
+          </a:fillRef>
+          <a:effectRef idx="0">
+            <a:schemeClr val="accent1"/>
+          </a:effectRef>
+          <a:fontRef idx="minor">
+            <a:schemeClr val="lt1"/>
+          </a:fontRef>
+        </p:style>
+        <p:txBody>
+          <a:bodyPr rtlCol="0" anchor="ctr"/>
+          <a:lstStyle/>
+          <a:p>
+            <a:pPr algn="ctr"/>
+            <a:endParaRPr lang="ko-KR" altLang="en-US"/>
+          </a:p>
+        </p:txBody>
+      </p:sp>
+      <p:sp>
+        <p:nvSpPr>
+          <p:cNvPr id="6" name="TextBox 5">
+            <a:extLst>
+              <a:ext uri="{FF2B5EF4-FFF2-40B4-BE49-F238E27FC236}">
+                <a16:creationId xmlns:a16="http://schemas.microsoft.com/office/drawing/2014/main" id="{7F42F1F0-4390-678A-31F8-7D76F9CD11E9}"/>
+              </a:ext>
+            </a:extLst>
+          </p:cNvPr>
+          <p:cNvSpPr txBox="1"/>
+          <p:nvPr/>
+        </p:nvSpPr>
+        <p:spPr>
+          <a:xfrm>
+            <a:off x="2942464" y="612710"/>
+            <a:ext cx="1582484" cy="707886"/>
+          </a:xfrm>
+          <a:prstGeom prst="rect">
+            <a:avLst/>
+          </a:prstGeom>
+          <a:noFill/>
+        </p:spPr>
+        <p:txBody>
+          <a:bodyPr wrap="none" rtlCol="0">
+            <a:spAutoFit/>
+          </a:bodyPr>
+          <a:lstStyle/>
+          <a:p>
+            <a:pPr algn="ctr"/>
+            <a:r>
+              <a:rPr lang="en-US" altLang="ko-KR" sz="4000" b="1" dirty="0"/>
+              <a:t>Pelvis</a:t>
+            </a:r>
+            <a:endParaRPr lang="ko-KR" altLang="en-US" sz="4000" b="1" dirty="0"/>
+          </a:p>
+        </p:txBody>
+      </p:sp>
+      <p:sp>
+        <p:nvSpPr>
+          <p:cNvPr id="7" name="TextBox 6">
+            <a:extLst>
+              <a:ext uri="{FF2B5EF4-FFF2-40B4-BE49-F238E27FC236}">
+                <a16:creationId xmlns:a16="http://schemas.microsoft.com/office/drawing/2014/main" id="{5B85F4B1-CAA0-DA83-4239-29A901A8062B}"/>
+              </a:ext>
+            </a:extLst>
+          </p:cNvPr>
+          <p:cNvSpPr txBox="1"/>
+          <p:nvPr/>
+        </p:nvSpPr>
+        <p:spPr>
+          <a:xfrm>
+            <a:off x="3090742" y="4609946"/>
+            <a:ext cx="1285929" cy="707886"/>
+          </a:xfrm>
+          <a:prstGeom prst="rect">
+            <a:avLst/>
+          </a:prstGeom>
+          <a:noFill/>
+        </p:spPr>
+        <p:txBody>
+          <a:bodyPr wrap="none" rtlCol="0">
+            <a:spAutoFit/>
+          </a:bodyPr>
+          <a:lstStyle/>
+          <a:p>
+            <a:pPr algn="ctr"/>
+            <a:r>
+              <a:rPr lang="en-US" altLang="ko-KR" sz="4000" b="1" dirty="0"/>
+              <a:t>Foot</a:t>
+            </a:r>
+            <a:endParaRPr lang="ko-KR" altLang="en-US" sz="4000" b="1" dirty="0"/>
+          </a:p>
+        </p:txBody>
+      </p:sp>
+      <p:sp>
+        <p:nvSpPr>
+          <p:cNvPr id="8" name="TextBox 7">
+            <a:extLst>
+              <a:ext uri="{FF2B5EF4-FFF2-40B4-BE49-F238E27FC236}">
+                <a16:creationId xmlns:a16="http://schemas.microsoft.com/office/drawing/2014/main" id="{78678293-97B7-F5CB-3353-D9EF866B6930}"/>
+              </a:ext>
+            </a:extLst>
+          </p:cNvPr>
+          <p:cNvSpPr txBox="1"/>
+          <p:nvPr/>
+        </p:nvSpPr>
+        <p:spPr>
+          <a:xfrm>
+            <a:off x="3172495" y="2611328"/>
+            <a:ext cx="1122423" cy="707886"/>
+          </a:xfrm>
+          <a:prstGeom prst="rect">
+            <a:avLst/>
+          </a:prstGeom>
+          <a:noFill/>
+        </p:spPr>
+        <p:txBody>
+          <a:bodyPr wrap="none" rtlCol="0">
+            <a:spAutoFit/>
+          </a:bodyPr>
+          <a:lstStyle/>
+          <a:p>
+            <a:pPr algn="ctr"/>
+            <a:r>
+              <a:rPr lang="en-US" altLang="ko-KR" sz="4000" b="1" dirty="0"/>
+              <a:t>Calf</a:t>
+            </a:r>
+            <a:endParaRPr lang="ko-KR" altLang="en-US" sz="4000" b="1" dirty="0"/>
+          </a:p>
+        </p:txBody>
+      </p:sp>
+      <p:sp>
+        <p:nvSpPr>
+          <p:cNvPr id="12" name="사각형: 둥근 모서리 11">
+            <a:extLst>
+              <a:ext uri="{FF2B5EF4-FFF2-40B4-BE49-F238E27FC236}">
+                <a16:creationId xmlns:a16="http://schemas.microsoft.com/office/drawing/2014/main" id="{19C1C4CF-4C4A-5A18-0CC9-4CF39393A662}"/>
+              </a:ext>
+            </a:extLst>
+          </p:cNvPr>
+          <p:cNvSpPr/>
+          <p:nvPr/>
+        </p:nvSpPr>
+        <p:spPr>
+          <a:xfrm>
+            <a:off x="287382" y="235996"/>
+            <a:ext cx="11599818" cy="6282370"/>
+          </a:xfrm>
+          <a:prstGeom prst="roundRect">
+            <a:avLst/>
+          </a:prstGeom>
+          <a:noFill/>
+          <a:ln w="25400">
+            <a:solidFill>
+              <a:schemeClr val="bg1">
+                <a:lumMod val="65000"/>
+              </a:schemeClr>
+            </a:solidFill>
+          </a:ln>
+        </p:spPr>
+        <p:style>
+          <a:lnRef idx="2">
+            <a:schemeClr val="accent1">
+              <a:shade val="50000"/>
+            </a:schemeClr>
+          </a:lnRef>
+          <a:fillRef idx="1">
+            <a:schemeClr val="accent1"/>
+          </a:fillRef>
+          <a:effectRef idx="0">
+            <a:schemeClr val="accent1"/>
+          </a:effectRef>
+          <a:fontRef idx="minor">
+            <a:schemeClr val="lt1"/>
+          </a:fontRef>
+        </p:style>
+        <p:txBody>
+          <a:bodyPr rtlCol="0" anchor="ctr"/>
+          <a:lstStyle/>
+          <a:p>
+            <a:pPr algn="ctr"/>
+            <a:endParaRPr lang="ko-KR" altLang="en-US"/>
+          </a:p>
+        </p:txBody>
+      </p:sp>
+      <p:sp>
+        <p:nvSpPr>
+          <p:cNvPr id="13" name="화살표: 오른쪽 12">
+            <a:extLst>
+              <a:ext uri="{FF2B5EF4-FFF2-40B4-BE49-F238E27FC236}">
+                <a16:creationId xmlns:a16="http://schemas.microsoft.com/office/drawing/2014/main" id="{E85AB5EC-4751-1D7A-918F-283C2CC53F41}"/>
+              </a:ext>
+            </a:extLst>
+          </p:cNvPr>
+          <p:cNvSpPr/>
+          <p:nvPr/>
+        </p:nvSpPr>
+        <p:spPr>
+          <a:xfrm>
+            <a:off x="5956663" y="2455817"/>
+            <a:ext cx="1619795" cy="1047522"/>
+          </a:xfrm>
+          <a:prstGeom prst="rightArrow">
+            <a:avLst/>
+          </a:prstGeom>
+        </p:spPr>
+        <p:style>
+          <a:lnRef idx="2">
+            <a:schemeClr val="accent1">
+              <a:shade val="50000"/>
+            </a:schemeClr>
+          </a:lnRef>
+          <a:fillRef idx="1">
+            <a:schemeClr val="accent1"/>
+          </a:fillRef>
+          <a:effectRef idx="0">
+            <a:schemeClr val="accent1"/>
+          </a:effectRef>
+          <a:fontRef idx="minor">
+            <a:schemeClr val="lt1"/>
+          </a:fontRef>
+        </p:style>
+        <p:txBody>
+          <a:bodyPr rtlCol="0" anchor="ctr"/>
+          <a:lstStyle/>
+          <a:p>
+            <a:pPr algn="ctr"/>
+            <a:endParaRPr lang="ko-KR" altLang="en-US"/>
+          </a:p>
+        </p:txBody>
+      </p:sp>
+      <p:sp>
+        <p:nvSpPr>
+          <p:cNvPr id="14" name="직사각형 13">
+            <a:extLst>
+              <a:ext uri="{FF2B5EF4-FFF2-40B4-BE49-F238E27FC236}">
+                <a16:creationId xmlns:a16="http://schemas.microsoft.com/office/drawing/2014/main" id="{F2D2D263-37A2-4348-C7DE-8777FBA6091B}"/>
+              </a:ext>
+            </a:extLst>
+          </p:cNvPr>
+          <p:cNvSpPr/>
+          <p:nvPr/>
+        </p:nvSpPr>
+        <p:spPr>
+          <a:xfrm>
+            <a:off x="8274804" y="966653"/>
+            <a:ext cx="156754" cy="1828800"/>
+          </a:xfrm>
+          <a:prstGeom prst="rect">
+            <a:avLst/>
+          </a:prstGeom>
+        </p:spPr>
+        <p:style>
+          <a:lnRef idx="2">
+            <a:schemeClr val="accent1">
+              <a:shade val="50000"/>
+            </a:schemeClr>
+          </a:lnRef>
+          <a:fillRef idx="1">
+            <a:schemeClr val="accent1"/>
+          </a:fillRef>
+          <a:effectRef idx="0">
+            <a:schemeClr val="accent1"/>
+          </a:effectRef>
+          <a:fontRef idx="minor">
+            <a:schemeClr val="lt1"/>
+          </a:fontRef>
+        </p:style>
+        <p:txBody>
+          <a:bodyPr rtlCol="0" anchor="ctr"/>
+          <a:lstStyle/>
+          <a:p>
+            <a:pPr algn="ctr"/>
+            <a:endParaRPr lang="ko-KR" altLang="en-US"/>
+          </a:p>
+        </p:txBody>
+      </p:sp>
+      <p:sp>
+        <p:nvSpPr>
+          <p:cNvPr id="15" name="직사각형 14">
+            <a:extLst>
+              <a:ext uri="{FF2B5EF4-FFF2-40B4-BE49-F238E27FC236}">
+                <a16:creationId xmlns:a16="http://schemas.microsoft.com/office/drawing/2014/main" id="{0C764DC8-67EB-5DDB-9F1F-DFE1DE678F1C}"/>
+              </a:ext>
+            </a:extLst>
+          </p:cNvPr>
+          <p:cNvSpPr/>
+          <p:nvPr/>
+        </p:nvSpPr>
+        <p:spPr>
+          <a:xfrm rot="20239220">
+            <a:off x="8543307" y="2937898"/>
+            <a:ext cx="148278" cy="1306284"/>
+          </a:xfrm>
+          <a:prstGeom prst="rect">
+            <a:avLst/>
+          </a:prstGeom>
+        </p:spPr>
+        <p:style>
+          <a:lnRef idx="2">
+            <a:schemeClr val="accent1">
+              <a:shade val="50000"/>
+            </a:schemeClr>
+          </a:lnRef>
+          <a:fillRef idx="1">
+            <a:schemeClr val="accent1"/>
+          </a:fillRef>
+          <a:effectRef idx="0">
+            <a:schemeClr val="accent1"/>
+          </a:effectRef>
+          <a:fontRef idx="minor">
+            <a:schemeClr val="lt1"/>
+          </a:fontRef>
+        </p:style>
+        <p:txBody>
+          <a:bodyPr rtlCol="0" anchor="ctr"/>
+          <a:lstStyle/>
+          <a:p>
+            <a:pPr algn="ctr"/>
+            <a:endParaRPr lang="ko-KR" altLang="en-US"/>
+          </a:p>
+        </p:txBody>
+      </p:sp>
+      <p:sp>
+        <p:nvSpPr>
+          <p:cNvPr id="16" name="TextBox 15">
+            <a:extLst>
+              <a:ext uri="{FF2B5EF4-FFF2-40B4-BE49-F238E27FC236}">
+                <a16:creationId xmlns:a16="http://schemas.microsoft.com/office/drawing/2014/main" id="{FAF6C89D-1D8D-BC2C-8FC4-6482C27BAC90}"/>
+              </a:ext>
+            </a:extLst>
+          </p:cNvPr>
+          <p:cNvSpPr txBox="1"/>
+          <p:nvPr/>
+        </p:nvSpPr>
+        <p:spPr>
+          <a:xfrm>
+            <a:off x="8591632" y="612710"/>
+            <a:ext cx="1582484" cy="707886"/>
+          </a:xfrm>
+          <a:prstGeom prst="rect">
+            <a:avLst/>
+          </a:prstGeom>
+          <a:noFill/>
+        </p:spPr>
+        <p:txBody>
+          <a:bodyPr wrap="none" rtlCol="0">
+            <a:spAutoFit/>
+          </a:bodyPr>
+          <a:lstStyle/>
+          <a:p>
+            <a:pPr algn="ctr"/>
+            <a:r>
+              <a:rPr lang="en-US" altLang="ko-KR" sz="4000" b="1" dirty="0"/>
+              <a:t>Pelvis</a:t>
+            </a:r>
+            <a:endParaRPr lang="ko-KR" altLang="en-US" sz="4000" b="1" dirty="0"/>
+          </a:p>
+        </p:txBody>
+      </p:sp>
+      <p:sp>
+        <p:nvSpPr>
+          <p:cNvPr id="17" name="TextBox 16">
+            <a:extLst>
+              <a:ext uri="{FF2B5EF4-FFF2-40B4-BE49-F238E27FC236}">
+                <a16:creationId xmlns:a16="http://schemas.microsoft.com/office/drawing/2014/main" id="{382754B3-08CA-49ED-3BF4-E21214A3F72D}"/>
+              </a:ext>
+            </a:extLst>
+          </p:cNvPr>
+          <p:cNvSpPr txBox="1"/>
+          <p:nvPr/>
+        </p:nvSpPr>
+        <p:spPr>
+          <a:xfrm>
+            <a:off x="9297755" y="4256003"/>
+            <a:ext cx="1285929" cy="707886"/>
+          </a:xfrm>
+          <a:prstGeom prst="rect">
+            <a:avLst/>
+          </a:prstGeom>
+          <a:noFill/>
+        </p:spPr>
+        <p:txBody>
+          <a:bodyPr wrap="none" rtlCol="0">
+            <a:spAutoFit/>
+          </a:bodyPr>
+          <a:lstStyle/>
+          <a:p>
+            <a:pPr algn="ctr"/>
+            <a:r>
+              <a:rPr lang="en-US" altLang="ko-KR" sz="4000" b="1" dirty="0"/>
+              <a:t>Foot</a:t>
+            </a:r>
+            <a:endParaRPr lang="ko-KR" altLang="en-US" sz="4000" b="1" dirty="0"/>
+          </a:p>
+        </p:txBody>
+      </p:sp>
+      <p:sp>
+        <p:nvSpPr>
+          <p:cNvPr id="18" name="TextBox 17">
+            <a:extLst>
+              <a:ext uri="{FF2B5EF4-FFF2-40B4-BE49-F238E27FC236}">
+                <a16:creationId xmlns:a16="http://schemas.microsoft.com/office/drawing/2014/main" id="{72A6D580-6105-AA07-9011-DC364CB3A8A9}"/>
+              </a:ext>
+            </a:extLst>
+          </p:cNvPr>
+          <p:cNvSpPr txBox="1"/>
+          <p:nvPr/>
+        </p:nvSpPr>
+        <p:spPr>
+          <a:xfrm>
+            <a:off x="8821663" y="2611328"/>
+            <a:ext cx="1122423" cy="707886"/>
+          </a:xfrm>
+          <a:prstGeom prst="rect">
+            <a:avLst/>
+          </a:prstGeom>
+          <a:noFill/>
+        </p:spPr>
+        <p:txBody>
+          <a:bodyPr wrap="none" rtlCol="0">
+            <a:spAutoFit/>
+          </a:bodyPr>
+          <a:lstStyle/>
+          <a:p>
+            <a:pPr algn="ctr"/>
+            <a:r>
+              <a:rPr lang="en-US" altLang="ko-KR" sz="4000" b="1" dirty="0"/>
+              <a:t>Calf</a:t>
+            </a:r>
+            <a:endParaRPr lang="ko-KR" altLang="en-US" sz="4000" b="1" dirty="0"/>
+          </a:p>
+        </p:txBody>
+      </p:sp>
+      <p:sp>
+        <p:nvSpPr>
+          <p:cNvPr id="19" name="직사각형 18">
+            <a:extLst>
+              <a:ext uri="{FF2B5EF4-FFF2-40B4-BE49-F238E27FC236}">
+                <a16:creationId xmlns:a16="http://schemas.microsoft.com/office/drawing/2014/main" id="{B7D93322-2161-2FDE-892C-6F17EED7DF4B}"/>
+              </a:ext>
+            </a:extLst>
+          </p:cNvPr>
+          <p:cNvSpPr/>
+          <p:nvPr/>
+        </p:nvSpPr>
+        <p:spPr>
+          <a:xfrm>
+            <a:off x="2625636" y="4885510"/>
+            <a:ext cx="156754" cy="406195"/>
+          </a:xfrm>
+          <a:prstGeom prst="rect">
+            <a:avLst/>
+          </a:prstGeom>
+        </p:spPr>
+        <p:style>
+          <a:lnRef idx="2">
+            <a:schemeClr val="accent1">
+              <a:shade val="50000"/>
+            </a:schemeClr>
+          </a:lnRef>
+          <a:fillRef idx="1">
+            <a:schemeClr val="accent1"/>
+          </a:fillRef>
+          <a:effectRef idx="0">
+            <a:schemeClr val="accent1"/>
+          </a:effectRef>
+          <a:fontRef idx="minor">
+            <a:schemeClr val="lt1"/>
+          </a:fontRef>
+        </p:style>
+        <p:txBody>
+          <a:bodyPr rtlCol="0" anchor="ctr"/>
+          <a:lstStyle/>
+          <a:p>
+            <a:pPr algn="ctr"/>
+            <a:endParaRPr lang="ko-KR" altLang="en-US"/>
+          </a:p>
+        </p:txBody>
+      </p:sp>
+      <p:sp>
+        <p:nvSpPr>
+          <p:cNvPr id="20" name="직사각형 19">
+            <a:extLst>
+              <a:ext uri="{FF2B5EF4-FFF2-40B4-BE49-F238E27FC236}">
+                <a16:creationId xmlns:a16="http://schemas.microsoft.com/office/drawing/2014/main" id="{26F01522-7127-27EF-0A57-3166D265897C}"/>
+              </a:ext>
+            </a:extLst>
+          </p:cNvPr>
+          <p:cNvSpPr/>
+          <p:nvPr/>
+        </p:nvSpPr>
+        <p:spPr>
+          <a:xfrm>
+            <a:off x="8834727" y="4479315"/>
+            <a:ext cx="156754" cy="406195"/>
+          </a:xfrm>
+          <a:prstGeom prst="rect">
+            <a:avLst/>
+          </a:prstGeom>
+        </p:spPr>
+        <p:style>
+          <a:lnRef idx="2">
+            <a:schemeClr val="accent1">
+              <a:shade val="50000"/>
+            </a:schemeClr>
+          </a:lnRef>
+          <a:fillRef idx="1">
+            <a:schemeClr val="accent1"/>
+          </a:fillRef>
+          <a:effectRef idx="0">
+            <a:schemeClr val="accent1"/>
+          </a:effectRef>
+          <a:fontRef idx="minor">
+            <a:schemeClr val="lt1"/>
+          </a:fontRef>
+        </p:style>
+        <p:txBody>
+          <a:bodyPr rtlCol="0" anchor="ctr"/>
+          <a:lstStyle/>
+          <a:p>
+            <a:pPr algn="ctr"/>
+            <a:endParaRPr lang="ko-KR" altLang="en-US"/>
+          </a:p>
+        </p:txBody>
+      </p:sp>
+      <p:sp>
+        <p:nvSpPr>
+          <p:cNvPr id="21" name="직사각형 20">
+            <a:extLst>
+              <a:ext uri="{FF2B5EF4-FFF2-40B4-BE49-F238E27FC236}">
+                <a16:creationId xmlns:a16="http://schemas.microsoft.com/office/drawing/2014/main" id="{D9E8A81E-C7F9-9741-B047-4E72F7647E30}"/>
+              </a:ext>
+            </a:extLst>
+          </p:cNvPr>
+          <p:cNvSpPr/>
+          <p:nvPr/>
+        </p:nvSpPr>
+        <p:spPr>
+          <a:xfrm>
+            <a:off x="1088572" y="5291705"/>
+            <a:ext cx="3849189" cy="406195"/>
+          </a:xfrm>
+          <a:prstGeom prst="rect">
+            <a:avLst/>
+          </a:prstGeom>
+          <a:solidFill>
+            <a:schemeClr val="accent2">
+              <a:lumMod val="50000"/>
+            </a:schemeClr>
+          </a:solidFill>
+          <a:ln>
+            <a:noFill/>
+          </a:ln>
+        </p:spPr>
+        <p:style>
+          <a:lnRef idx="2">
+            <a:schemeClr val="accent1">
+              <a:shade val="50000"/>
+            </a:schemeClr>
+          </a:lnRef>
+          <a:fillRef idx="1">
+            <a:schemeClr val="accent1"/>
+          </a:fillRef>
+          <a:effectRef idx="0">
+            <a:schemeClr val="accent1"/>
+          </a:effectRef>
+          <a:fontRef idx="minor">
+            <a:schemeClr val="lt1"/>
+          </a:fontRef>
+        </p:style>
+        <p:txBody>
+          <a:bodyPr rtlCol="0" anchor="ctr"/>
+          <a:lstStyle/>
+          <a:p>
+            <a:pPr algn="ctr"/>
+            <a:endParaRPr lang="ko-KR" altLang="en-US"/>
+          </a:p>
+        </p:txBody>
+      </p:sp>
+      <p:sp>
+        <p:nvSpPr>
+          <p:cNvPr id="22" name="직사각형 21">
+            <a:extLst>
+              <a:ext uri="{FF2B5EF4-FFF2-40B4-BE49-F238E27FC236}">
+                <a16:creationId xmlns:a16="http://schemas.microsoft.com/office/drawing/2014/main" id="{20776B64-6DF9-172E-6AF4-69BEEDE0EF09}"/>
+              </a:ext>
+            </a:extLst>
+          </p:cNvPr>
+          <p:cNvSpPr/>
+          <p:nvPr/>
+        </p:nvSpPr>
+        <p:spPr>
+          <a:xfrm>
+            <a:off x="6897068" y="5291705"/>
+            <a:ext cx="3849189" cy="406195"/>
+          </a:xfrm>
+          <a:prstGeom prst="rect">
+            <a:avLst/>
+          </a:prstGeom>
+          <a:solidFill>
+            <a:schemeClr val="accent2">
+              <a:lumMod val="50000"/>
+            </a:schemeClr>
+          </a:solidFill>
+          <a:ln>
+            <a:noFill/>
+          </a:ln>
+        </p:spPr>
+        <p:style>
+          <a:lnRef idx="2">
+            <a:schemeClr val="accent1">
+              <a:shade val="50000"/>
+            </a:schemeClr>
+          </a:lnRef>
+          <a:fillRef idx="1">
+            <a:schemeClr val="accent1"/>
+          </a:fillRef>
+          <a:effectRef idx="0">
+            <a:schemeClr val="accent1"/>
+          </a:effectRef>
+          <a:fontRef idx="minor">
+            <a:schemeClr val="lt1"/>
+          </a:fontRef>
+        </p:style>
+        <p:txBody>
+          <a:bodyPr rtlCol="0" anchor="ctr"/>
+          <a:lstStyle/>
+          <a:p>
+            <a:pPr algn="ctr"/>
+            <a:endParaRPr lang="ko-KR" altLang="en-US"/>
+          </a:p>
+        </p:txBody>
+      </p:sp>
+      <p:sp>
+        <p:nvSpPr>
+          <p:cNvPr id="23" name="직사각형 22">
+            <a:extLst>
+              <a:ext uri="{FF2B5EF4-FFF2-40B4-BE49-F238E27FC236}">
+                <a16:creationId xmlns:a16="http://schemas.microsoft.com/office/drawing/2014/main" id="{054F34CF-5631-C438-E586-00E929436BE8}"/>
+              </a:ext>
+            </a:extLst>
+          </p:cNvPr>
+          <p:cNvSpPr/>
+          <p:nvPr/>
+        </p:nvSpPr>
+        <p:spPr>
+          <a:xfrm>
+            <a:off x="8431558" y="4930150"/>
+            <a:ext cx="832472" cy="362023"/>
+          </a:xfrm>
+          <a:prstGeom prst="rect">
+            <a:avLst/>
+          </a:prstGeom>
+          <a:solidFill>
+            <a:schemeClr val="accent2">
+              <a:lumMod val="50000"/>
+            </a:schemeClr>
+          </a:solidFill>
+          <a:ln>
+            <a:noFill/>
+          </a:ln>
+        </p:spPr>
+        <p:style>
+          <a:lnRef idx="2">
+            <a:schemeClr val="accent1">
+              <a:shade val="50000"/>
+            </a:schemeClr>
+          </a:lnRef>
+          <a:fillRef idx="1">
+            <a:schemeClr val="accent1"/>
+          </a:fillRef>
+          <a:effectRef idx="0">
+            <a:schemeClr val="accent1"/>
+          </a:effectRef>
+          <a:fontRef idx="minor">
+            <a:schemeClr val="lt1"/>
+          </a:fontRef>
+        </p:style>
+        <p:txBody>
+          <a:bodyPr rtlCol="0" anchor="ctr"/>
+          <a:lstStyle/>
+          <a:p>
+            <a:pPr algn="ctr"/>
+            <a:endParaRPr lang="ko-KR" altLang="en-US"/>
+          </a:p>
+        </p:txBody>
+      </p:sp>
+      <p:cxnSp>
+        <p:nvCxnSpPr>
+          <p:cNvPr id="25" name="직선 화살표 연결선 24">
+            <a:extLst>
+              <a:ext uri="{FF2B5EF4-FFF2-40B4-BE49-F238E27FC236}">
+                <a16:creationId xmlns:a16="http://schemas.microsoft.com/office/drawing/2014/main" id="{FD6348D9-5675-2D9D-BDD9-24021A16B48B}"/>
+              </a:ext>
+            </a:extLst>
+          </p:cNvPr>
+          <p:cNvCxnSpPr>
+            <a:cxnSpLocks/>
+          </p:cNvCxnSpPr>
+          <p:nvPr/>
+        </p:nvCxnSpPr>
+        <p:spPr>
+          <a:xfrm flipH="1">
+            <a:off x="7874983" y="4930150"/>
+            <a:ext cx="883653" cy="0"/>
+          </a:xfrm>
+          <a:prstGeom prst="straightConnector1">
+            <a:avLst/>
+          </a:prstGeom>
+          <a:ln w="25400">
+            <a:tailEnd type="triangle" w="lg" len="lg"/>
+          </a:ln>
+        </p:spPr>
+        <p:style>
+          <a:lnRef idx="1">
+            <a:schemeClr val="accent1"/>
+          </a:lnRef>
+          <a:fillRef idx="0">
+            <a:schemeClr val="accent1"/>
+          </a:fillRef>
+          <a:effectRef idx="0">
+            <a:schemeClr val="accent1"/>
+          </a:effectRef>
+          <a:fontRef idx="minor">
+            <a:schemeClr val="tx1"/>
+          </a:fontRef>
+        </p:style>
+      </p:cxnSp>
+      <p:sp>
+        <p:nvSpPr>
+          <p:cNvPr id="11" name="TextBox 10">
+            <a:extLst>
+              <a:ext uri="{FF2B5EF4-FFF2-40B4-BE49-F238E27FC236}">
+                <a16:creationId xmlns:a16="http://schemas.microsoft.com/office/drawing/2014/main" id="{62FF846B-80EB-C1A2-1D9B-5AD5FAEF0713}"/>
+              </a:ext>
+            </a:extLst>
+          </p:cNvPr>
+          <p:cNvSpPr txBox="1"/>
+          <p:nvPr/>
+        </p:nvSpPr>
+        <p:spPr>
+          <a:xfrm>
+            <a:off x="5884562" y="4082988"/>
+            <a:ext cx="1856983" cy="1323439"/>
+          </a:xfrm>
+          <a:prstGeom prst="rect">
+            <a:avLst/>
+          </a:prstGeom>
+          <a:noFill/>
+        </p:spPr>
+        <p:txBody>
+          <a:bodyPr wrap="none" rtlCol="0">
+            <a:spAutoFit/>
+          </a:bodyPr>
+          <a:lstStyle/>
+          <a:p>
+            <a:pPr algn="ctr"/>
+            <a:r>
+              <a:rPr lang="en-US" altLang="ko-KR" sz="4000" b="1" dirty="0"/>
+              <a:t>Impact</a:t>
+            </a:r>
+          </a:p>
+          <a:p>
+            <a:pPr algn="ctr"/>
+            <a:r>
+              <a:rPr lang="en-US" altLang="ko-KR" sz="4000" b="1" dirty="0"/>
+              <a:t>Point</a:t>
+            </a:r>
+            <a:endParaRPr lang="ko-KR" altLang="en-US" sz="4000" b="1" dirty="0"/>
+          </a:p>
+        </p:txBody>
+      </p:sp>
+      <p:cxnSp>
+        <p:nvCxnSpPr>
+          <p:cNvPr id="29" name="직선 화살표 연결선 28">
+            <a:extLst>
+              <a:ext uri="{FF2B5EF4-FFF2-40B4-BE49-F238E27FC236}">
+                <a16:creationId xmlns:a16="http://schemas.microsoft.com/office/drawing/2014/main" id="{B6A2D73D-4337-12B2-9F4E-0D73A2C2F69D}"/>
+              </a:ext>
+            </a:extLst>
+          </p:cNvPr>
+          <p:cNvCxnSpPr>
+            <a:cxnSpLocks/>
+          </p:cNvCxnSpPr>
+          <p:nvPr/>
+        </p:nvCxnSpPr>
+        <p:spPr>
+          <a:xfrm flipV="1">
+            <a:off x="8913104" y="4895847"/>
+            <a:ext cx="0" cy="385520"/>
+          </a:xfrm>
+          <a:prstGeom prst="straightConnector1">
+            <a:avLst/>
+          </a:prstGeom>
+          <a:ln w="25400">
+            <a:solidFill>
+              <a:schemeClr val="bg1"/>
+            </a:solidFill>
+            <a:headEnd type="triangle" w="lg" len="lg"/>
+            <a:tailEnd type="triangle" w="lg" len="lg"/>
+          </a:ln>
+        </p:spPr>
+        <p:style>
+          <a:lnRef idx="1">
+            <a:schemeClr val="accent1"/>
+          </a:lnRef>
+          <a:fillRef idx="0">
+            <a:schemeClr val="accent1"/>
+          </a:fillRef>
+          <a:effectRef idx="0">
+            <a:schemeClr val="accent1"/>
+          </a:effectRef>
+          <a:fontRef idx="minor">
+            <a:schemeClr val="tx1"/>
+          </a:fontRef>
+        </p:style>
+      </p:cxnSp>
+    </p:spTree>
+    <p:extLst>
+      <p:ext uri="{BB962C8B-B14F-4D97-AF65-F5344CB8AC3E}">
+        <p14:creationId xmlns:p14="http://schemas.microsoft.com/office/powerpoint/2010/main" val="3917335579"/>
       </p:ext>
     </p:extLst>
   </p:cSld>
